--- a/迭代模型_G11.pptx
+++ b/迭代模型_G11.pptx
@@ -8799,6 +8799,30 @@
           </a:p>
         </p:txBody>
       </p:sp>
+      <p:pic>
+        <p:nvPicPr>
+          <p:cNvPr id="2" name="图片 1" descr="logo"/>
+          <p:cNvPicPr>
+            <a:picLocks noChangeAspect="1"/>
+          </p:cNvPicPr>
+          <p:nvPr/>
+        </p:nvPicPr>
+        <p:blipFill>
+          <a:blip r:embed="rId2"/>
+          <a:stretch>
+            <a:fillRect/>
+          </a:stretch>
+        </p:blipFill>
+        <p:spPr>
+          <a:xfrm>
+            <a:off x="0" y="-157480"/>
+            <a:ext cx="2282190" cy="4060190"/>
+          </a:xfrm>
+          <a:prstGeom prst="rect">
+            <a:avLst/>
+          </a:prstGeom>
+        </p:spPr>
+      </p:pic>
     </p:spTree>
   </p:cSld>
   <p:clrMapOvr>
@@ -11667,7 +11691,6 @@
             <a:pPr defTabSz="1176655"/>
             <a:r>
               <a:rPr lang="zh-CN" altLang="en-US" sz="2800" dirty="0">
-                <a:ln/>
                 <a:solidFill>
                   <a:srgbClr val="7030A0"/>
                 </a:solidFill>
@@ -11678,7 +11701,6 @@
               <a:t>RUP的影响</a:t>
             </a:r>
             <a:endParaRPr lang="zh-CN" altLang="en-US" sz="2800" dirty="0">
-              <a:ln/>
               <a:solidFill>
                 <a:srgbClr val="7030A0"/>
               </a:solidFill>
@@ -11690,7 +11712,6 @@
           <a:p>
             <a:pPr defTabSz="1176655"/>
             <a:endParaRPr lang="zh-CN" altLang="en-US" sz="2800" dirty="0">
-              <a:ln/>
               <a:solidFill>
                 <a:srgbClr val="7030A0"/>
               </a:solidFill>
@@ -12387,17 +12408,7 @@
                 <a:latin typeface="微软雅黑" panose="020B0503020204020204" pitchFamily="34" charset="-122"/>
                 <a:ea typeface="微软雅黑" panose="020B0503020204020204" pitchFamily="34" charset="-122"/>
               </a:rPr>
-              <a:t>迭代型生命周期阶段有哪几个</a:t>
-            </a:r>
-            <a:r>
-              <a:rPr lang="zh-CN" sz="2400" dirty="0">
-                <a:solidFill>
-                  <a:srgbClr val="000000"/>
-                </a:solidFill>
-                <a:latin typeface="微软雅黑" panose="020B0503020204020204" pitchFamily="34" charset="-122"/>
-                <a:ea typeface="微软雅黑" panose="020B0503020204020204" pitchFamily="34" charset="-122"/>
-              </a:rPr>
-              <a:t>？</a:t>
+              <a:t>迭代型生命周期阶段有哪几个？</a:t>
             </a:r>
             <a:endParaRPr lang="zh-CN" sz="2400" dirty="0">
               <a:solidFill>
@@ -13316,17 +13327,7 @@
                 <a:latin typeface="微软雅黑" panose="020B0503020204020204" pitchFamily="34" charset="-122"/>
                 <a:ea typeface="微软雅黑" panose="020B0503020204020204" pitchFamily="34" charset="-122"/>
               </a:rPr>
-              <a:t>在实际生产中依据什么来选择开发模型</a:t>
-            </a:r>
-            <a:r>
-              <a:rPr lang="zh-CN" sz="2400" dirty="0">
-                <a:solidFill>
-                  <a:srgbClr val="000000"/>
-                </a:solidFill>
-                <a:latin typeface="微软雅黑" panose="020B0503020204020204" pitchFamily="34" charset="-122"/>
-                <a:ea typeface="微软雅黑" panose="020B0503020204020204" pitchFamily="34" charset="-122"/>
-              </a:rPr>
-              <a:t>？</a:t>
+              <a:t>在实际生产中依据什么来选择开发模型？</a:t>
             </a:r>
             <a:endParaRPr lang="zh-CN" sz="2400" dirty="0">
               <a:solidFill>
